--- a/week_01/github/images/images.pptx
+++ b/week_01/github/images/images.pptx
@@ -6,6 +6,7 @@
   </p:sldMasterIdLst>
   <p:sldIdLst>
     <p:sldId id="256" r:id="rId2"/>
+    <p:sldId id="257" r:id="rId3"/>
   </p:sldIdLst>
   <p:sldSz cx="9144000" cy="6858000" type="screen4x3"/>
   <p:notesSz cx="6858000" cy="9144000"/>
@@ -3682,6 +3683,1123 @@
     <p:extLst>
       <p:ext uri="{BB962C8B-B14F-4D97-AF65-F5344CB8AC3E}">
         <p14:creationId xmlns:p14="http://schemas.microsoft.com/office/powerpoint/2010/main" val="3505986679"/>
+      </p:ext>
+    </p:extLst>
+  </p:cSld>
+  <p:clrMapOvr>
+    <a:masterClrMapping/>
+  </p:clrMapOvr>
+</p:sld>
+</file>
+
+<file path=ppt/slides/slide2.xml><?xml version="1.0" encoding="utf-8"?>
+<p:sld xmlns:a="http://schemas.openxmlformats.org/drawingml/2006/main" xmlns:r="http://schemas.openxmlformats.org/officeDocument/2006/relationships" xmlns:p="http://schemas.openxmlformats.org/presentationml/2006/main">
+  <p:cSld>
+    <p:spTree>
+      <p:nvGrpSpPr>
+        <p:cNvPr id="1" name=""/>
+        <p:cNvGrpSpPr/>
+        <p:nvPr/>
+      </p:nvGrpSpPr>
+      <p:grpSpPr>
+        <a:xfrm>
+          <a:off x="0" y="0"/>
+          <a:ext cx="0" cy="0"/>
+          <a:chOff x="0" y="0"/>
+          <a:chExt cx="0" cy="0"/>
+        </a:xfrm>
+      </p:grpSpPr>
+      <p:sp>
+        <p:nvSpPr>
+          <p:cNvPr id="8" name="TextBox 7"/>
+          <p:cNvSpPr txBox="1"/>
+          <p:nvPr/>
+        </p:nvSpPr>
+        <p:spPr>
+          <a:xfrm>
+            <a:off x="-163454" y="389820"/>
+            <a:ext cx="184666" cy="369332"/>
+          </a:xfrm>
+          <a:prstGeom prst="rect">
+            <a:avLst/>
+          </a:prstGeom>
+          <a:noFill/>
+          <a:ln>
+            <a:solidFill>
+              <a:srgbClr val="FFFFFF"/>
+            </a:solidFill>
+          </a:ln>
+        </p:spPr>
+        <p:txBody>
+          <a:bodyPr wrap="none" rtlCol="0">
+            <a:spAutoFit/>
+          </a:bodyPr>
+          <a:lstStyle/>
+          <a:p>
+            <a:endParaRPr lang="en-US" dirty="0"/>
+          </a:p>
+        </p:txBody>
+      </p:sp>
+      <p:sp>
+        <p:nvSpPr>
+          <p:cNvPr id="2" name="Rectangle 1"/>
+          <p:cNvSpPr/>
+          <p:nvPr/>
+        </p:nvSpPr>
+        <p:spPr>
+          <a:xfrm>
+            <a:off x="3692506" y="1175947"/>
+            <a:ext cx="2653869" cy="1867025"/>
+          </a:xfrm>
+          <a:prstGeom prst="rect">
+            <a:avLst/>
+          </a:prstGeom>
+          <a:solidFill>
+            <a:schemeClr val="tx1">
+              <a:lumMod val="50000"/>
+              <a:lumOff val="50000"/>
+              <a:alpha val="44000"/>
+            </a:schemeClr>
+          </a:solidFill>
+          <a:ln>
+            <a:solidFill>
+              <a:schemeClr val="bg1"/>
+            </a:solidFill>
+          </a:ln>
+          <a:effectLst/>
+        </p:spPr>
+        <p:style>
+          <a:lnRef idx="1">
+            <a:schemeClr val="accent1"/>
+          </a:lnRef>
+          <a:fillRef idx="3">
+            <a:schemeClr val="accent1"/>
+          </a:fillRef>
+          <a:effectRef idx="2">
+            <a:schemeClr val="accent1"/>
+          </a:effectRef>
+          <a:fontRef idx="minor">
+            <a:schemeClr val="lt1"/>
+          </a:fontRef>
+        </p:style>
+        <p:txBody>
+          <a:bodyPr rtlCol="0" anchor="ctr"/>
+          <a:lstStyle/>
+          <a:p>
+            <a:pPr algn="ctr"/>
+            <a:endParaRPr lang="en-US"/>
+          </a:p>
+        </p:txBody>
+      </p:sp>
+      <p:sp>
+        <p:nvSpPr>
+          <p:cNvPr id="3" name="TextBox 2"/>
+          <p:cNvSpPr txBox="1"/>
+          <p:nvPr/>
+        </p:nvSpPr>
+        <p:spPr>
+          <a:xfrm>
+            <a:off x="3692506" y="1175947"/>
+            <a:ext cx="1743971" cy="379091"/>
+          </a:xfrm>
+          <a:prstGeom prst="rect">
+            <a:avLst/>
+          </a:prstGeom>
+          <a:noFill/>
+        </p:spPr>
+        <p:txBody>
+          <a:bodyPr wrap="square" rtlCol="0">
+            <a:spAutoFit/>
+          </a:bodyPr>
+          <a:lstStyle/>
+          <a:p>
+            <a:r>
+              <a:rPr lang="en-US" dirty="0" smtClean="0">
+                <a:solidFill>
+                  <a:schemeClr val="bg1"/>
+                </a:solidFill>
+                <a:latin typeface="Cambria"/>
+                <a:cs typeface="Cambria"/>
+              </a:rPr>
+              <a:t>My </a:t>
+            </a:r>
+            <a:r>
+              <a:rPr lang="en-US" dirty="0" err="1" smtClean="0">
+                <a:solidFill>
+                  <a:schemeClr val="bg1"/>
+                </a:solidFill>
+                <a:latin typeface="Cambria"/>
+                <a:cs typeface="Cambria"/>
+              </a:rPr>
+              <a:t>GitHub</a:t>
+            </a:r>
+            <a:endParaRPr lang="en-US" dirty="0">
+              <a:solidFill>
+                <a:schemeClr val="bg1"/>
+              </a:solidFill>
+              <a:latin typeface="Cambria"/>
+              <a:cs typeface="Cambria"/>
+            </a:endParaRPr>
+          </a:p>
+        </p:txBody>
+      </p:sp>
+      <p:sp>
+        <p:nvSpPr>
+          <p:cNvPr id="16" name="Rectangle 15"/>
+          <p:cNvSpPr/>
+          <p:nvPr/>
+        </p:nvSpPr>
+        <p:spPr>
+          <a:xfrm>
+            <a:off x="6353410" y="1175947"/>
+            <a:ext cx="2660904" cy="1867025"/>
+          </a:xfrm>
+          <a:prstGeom prst="rect">
+            <a:avLst/>
+          </a:prstGeom>
+          <a:solidFill>
+            <a:schemeClr val="tx1">
+              <a:lumMod val="50000"/>
+              <a:lumOff val="50000"/>
+              <a:alpha val="44000"/>
+            </a:schemeClr>
+          </a:solidFill>
+          <a:ln>
+            <a:solidFill>
+              <a:schemeClr val="bg1"/>
+            </a:solidFill>
+          </a:ln>
+          <a:effectLst/>
+        </p:spPr>
+        <p:style>
+          <a:lnRef idx="1">
+            <a:schemeClr val="accent1"/>
+          </a:lnRef>
+          <a:fillRef idx="3">
+            <a:schemeClr val="accent1"/>
+          </a:fillRef>
+          <a:effectRef idx="2">
+            <a:schemeClr val="accent1"/>
+          </a:effectRef>
+          <a:fontRef idx="minor">
+            <a:schemeClr val="lt1"/>
+          </a:fontRef>
+        </p:style>
+        <p:txBody>
+          <a:bodyPr rtlCol="0" anchor="ctr"/>
+          <a:lstStyle/>
+          <a:p>
+            <a:pPr algn="ctr"/>
+            <a:endParaRPr lang="en-US"/>
+          </a:p>
+        </p:txBody>
+      </p:sp>
+      <p:sp>
+        <p:nvSpPr>
+          <p:cNvPr id="17" name="Rectangle 16"/>
+          <p:cNvSpPr/>
+          <p:nvPr/>
+        </p:nvSpPr>
+        <p:spPr>
+          <a:xfrm>
+            <a:off x="172720" y="1175947"/>
+            <a:ext cx="3519786" cy="1867025"/>
+          </a:xfrm>
+          <a:prstGeom prst="rect">
+            <a:avLst/>
+          </a:prstGeom>
+          <a:solidFill>
+            <a:schemeClr val="tx1">
+              <a:lumMod val="50000"/>
+              <a:lumOff val="50000"/>
+              <a:alpha val="44000"/>
+            </a:schemeClr>
+          </a:solidFill>
+          <a:ln>
+            <a:solidFill>
+              <a:schemeClr val="bg1"/>
+            </a:solidFill>
+          </a:ln>
+          <a:effectLst/>
+        </p:spPr>
+        <p:style>
+          <a:lnRef idx="1">
+            <a:schemeClr val="accent1"/>
+          </a:lnRef>
+          <a:fillRef idx="3">
+            <a:schemeClr val="accent1"/>
+          </a:fillRef>
+          <a:effectRef idx="2">
+            <a:schemeClr val="accent1"/>
+          </a:effectRef>
+          <a:fontRef idx="minor">
+            <a:schemeClr val="lt1"/>
+          </a:fontRef>
+        </p:style>
+        <p:txBody>
+          <a:bodyPr rtlCol="0" anchor="ctr"/>
+          <a:lstStyle/>
+          <a:p>
+            <a:pPr algn="ctr"/>
+            <a:endParaRPr lang="en-US"/>
+          </a:p>
+        </p:txBody>
+      </p:sp>
+      <p:sp>
+        <p:nvSpPr>
+          <p:cNvPr id="19" name="TextBox 18"/>
+          <p:cNvSpPr txBox="1"/>
+          <p:nvPr/>
+        </p:nvSpPr>
+        <p:spPr>
+          <a:xfrm>
+            <a:off x="6348671" y="1186188"/>
+            <a:ext cx="2753389" cy="369332"/>
+          </a:xfrm>
+          <a:prstGeom prst="rect">
+            <a:avLst/>
+          </a:prstGeom>
+          <a:noFill/>
+        </p:spPr>
+        <p:txBody>
+          <a:bodyPr wrap="square" rtlCol="0">
+            <a:spAutoFit/>
+          </a:bodyPr>
+          <a:lstStyle/>
+          <a:p>
+            <a:r>
+              <a:rPr lang="en-US" dirty="0" smtClean="0">
+                <a:solidFill>
+                  <a:schemeClr val="bg1"/>
+                </a:solidFill>
+                <a:latin typeface="Cambria"/>
+                <a:cs typeface="Cambria"/>
+              </a:rPr>
+              <a:t>Other person’s </a:t>
+            </a:r>
+            <a:r>
+              <a:rPr lang="en-US" dirty="0" err="1" smtClean="0">
+                <a:solidFill>
+                  <a:schemeClr val="bg1"/>
+                </a:solidFill>
+                <a:latin typeface="Cambria"/>
+                <a:cs typeface="Cambria"/>
+              </a:rPr>
+              <a:t>GitHub</a:t>
+            </a:r>
+            <a:endParaRPr lang="en-US" dirty="0">
+              <a:solidFill>
+                <a:schemeClr val="bg1"/>
+              </a:solidFill>
+              <a:latin typeface="Cambria"/>
+              <a:cs typeface="Cambria"/>
+            </a:endParaRPr>
+          </a:p>
+        </p:txBody>
+      </p:sp>
+      <p:sp>
+        <p:nvSpPr>
+          <p:cNvPr id="9" name="Oval 8"/>
+          <p:cNvSpPr/>
+          <p:nvPr/>
+        </p:nvSpPr>
+        <p:spPr>
+          <a:xfrm>
+            <a:off x="6656709" y="1678245"/>
+            <a:ext cx="1980924" cy="1213092"/>
+          </a:xfrm>
+          <a:prstGeom prst="ellipse">
+            <a:avLst/>
+          </a:prstGeom>
+          <a:solidFill>
+            <a:schemeClr val="tx2"/>
+          </a:solidFill>
+          <a:ln>
+            <a:solidFill>
+              <a:srgbClr val="FFFFFF"/>
+            </a:solidFill>
+          </a:ln>
+          <a:effectLst/>
+        </p:spPr>
+        <p:style>
+          <a:lnRef idx="1">
+            <a:schemeClr val="accent1"/>
+          </a:lnRef>
+          <a:fillRef idx="3">
+            <a:schemeClr val="accent1"/>
+          </a:fillRef>
+          <a:effectRef idx="2">
+            <a:schemeClr val="accent1"/>
+          </a:effectRef>
+          <a:fontRef idx="minor">
+            <a:schemeClr val="lt1"/>
+          </a:fontRef>
+        </p:style>
+        <p:txBody>
+          <a:bodyPr rtlCol="0" anchor="ctr"/>
+          <a:lstStyle/>
+          <a:p>
+            <a:pPr algn="ctr"/>
+            <a:r>
+              <a:rPr lang="en-US" dirty="0" smtClean="0">
+                <a:latin typeface="Cambria"/>
+                <a:cs typeface="Cambria"/>
+              </a:rPr>
+              <a:t>Super awesome repo</a:t>
+            </a:r>
+            <a:endParaRPr lang="en-US" dirty="0">
+              <a:latin typeface="Cambria"/>
+              <a:cs typeface="Cambria"/>
+            </a:endParaRPr>
+          </a:p>
+        </p:txBody>
+      </p:sp>
+      <p:sp>
+        <p:nvSpPr>
+          <p:cNvPr id="21" name="Oval 20"/>
+          <p:cNvSpPr/>
+          <p:nvPr/>
+        </p:nvSpPr>
+        <p:spPr>
+          <a:xfrm>
+            <a:off x="3987077" y="1678245"/>
+            <a:ext cx="1980924" cy="1213092"/>
+          </a:xfrm>
+          <a:prstGeom prst="ellipse">
+            <a:avLst/>
+          </a:prstGeom>
+          <a:solidFill>
+            <a:schemeClr val="tx2"/>
+          </a:solidFill>
+          <a:ln>
+            <a:solidFill>
+              <a:srgbClr val="FFFFFF"/>
+            </a:solidFill>
+          </a:ln>
+          <a:effectLst/>
+        </p:spPr>
+        <p:style>
+          <a:lnRef idx="1">
+            <a:schemeClr val="accent1"/>
+          </a:lnRef>
+          <a:fillRef idx="3">
+            <a:schemeClr val="accent1"/>
+          </a:fillRef>
+          <a:effectRef idx="2">
+            <a:schemeClr val="accent1"/>
+          </a:effectRef>
+          <a:fontRef idx="minor">
+            <a:schemeClr val="lt1"/>
+          </a:fontRef>
+        </p:style>
+        <p:txBody>
+          <a:bodyPr rtlCol="0" anchor="ctr"/>
+          <a:lstStyle/>
+          <a:p>
+            <a:pPr algn="ctr"/>
+            <a:endParaRPr lang="en-US" dirty="0">
+              <a:latin typeface="Cambria"/>
+              <a:cs typeface="Cambria"/>
+            </a:endParaRPr>
+          </a:p>
+        </p:txBody>
+      </p:sp>
+      <p:sp>
+        <p:nvSpPr>
+          <p:cNvPr id="22" name="Oval 21"/>
+          <p:cNvSpPr/>
+          <p:nvPr/>
+        </p:nvSpPr>
+        <p:spPr>
+          <a:xfrm>
+            <a:off x="1319588" y="1660816"/>
+            <a:ext cx="1980924" cy="1213092"/>
+          </a:xfrm>
+          <a:prstGeom prst="ellipse">
+            <a:avLst/>
+          </a:prstGeom>
+          <a:solidFill>
+            <a:schemeClr val="tx2"/>
+          </a:solidFill>
+          <a:ln>
+            <a:solidFill>
+              <a:srgbClr val="FFFFFF"/>
+            </a:solidFill>
+          </a:ln>
+          <a:effectLst/>
+        </p:spPr>
+        <p:style>
+          <a:lnRef idx="1">
+            <a:schemeClr val="accent1"/>
+          </a:lnRef>
+          <a:fillRef idx="3">
+            <a:schemeClr val="accent1"/>
+          </a:fillRef>
+          <a:effectRef idx="2">
+            <a:schemeClr val="accent1"/>
+          </a:effectRef>
+          <a:fontRef idx="minor">
+            <a:schemeClr val="lt1"/>
+          </a:fontRef>
+        </p:style>
+        <p:txBody>
+          <a:bodyPr rtlCol="0" anchor="ctr"/>
+          <a:lstStyle/>
+          <a:p>
+            <a:pPr algn="ctr"/>
+            <a:endParaRPr lang="en-US" dirty="0">
+              <a:latin typeface="Cambria"/>
+              <a:cs typeface="Cambria"/>
+            </a:endParaRPr>
+          </a:p>
+        </p:txBody>
+      </p:sp>
+      <p:sp>
+        <p:nvSpPr>
+          <p:cNvPr id="10" name="TextBox 9"/>
+          <p:cNvSpPr txBox="1"/>
+          <p:nvPr/>
+        </p:nvSpPr>
+        <p:spPr>
+          <a:xfrm>
+            <a:off x="4062152" y="1981240"/>
+            <a:ext cx="1886893" cy="646331"/>
+          </a:xfrm>
+          <a:prstGeom prst="rect">
+            <a:avLst/>
+          </a:prstGeom>
+          <a:noFill/>
+        </p:spPr>
+        <p:txBody>
+          <a:bodyPr wrap="square" rtlCol="0">
+            <a:spAutoFit/>
+          </a:bodyPr>
+          <a:lstStyle/>
+          <a:p>
+            <a:pPr algn="ctr"/>
+            <a:r>
+              <a:rPr lang="en-US" dirty="0" smtClean="0">
+                <a:solidFill>
+                  <a:srgbClr val="FFFFFF"/>
+                </a:solidFill>
+                <a:latin typeface="Cambria"/>
+                <a:cs typeface="Cambria"/>
+              </a:rPr>
+              <a:t>My fork of SA repo</a:t>
+            </a:r>
+            <a:endParaRPr lang="en-US" dirty="0">
+              <a:solidFill>
+                <a:srgbClr val="FFFFFF"/>
+              </a:solidFill>
+              <a:latin typeface="Cambria"/>
+              <a:cs typeface="Cambria"/>
+            </a:endParaRPr>
+          </a:p>
+        </p:txBody>
+      </p:sp>
+      <p:sp>
+        <p:nvSpPr>
+          <p:cNvPr id="24" name="TextBox 23"/>
+          <p:cNvSpPr txBox="1"/>
+          <p:nvPr/>
+        </p:nvSpPr>
+        <p:spPr>
+          <a:xfrm>
+            <a:off x="1413619" y="1944855"/>
+            <a:ext cx="1886893" cy="646331"/>
+          </a:xfrm>
+          <a:prstGeom prst="rect">
+            <a:avLst/>
+          </a:prstGeom>
+          <a:noFill/>
+        </p:spPr>
+        <p:txBody>
+          <a:bodyPr wrap="square" rtlCol="0">
+            <a:spAutoFit/>
+          </a:bodyPr>
+          <a:lstStyle/>
+          <a:p>
+            <a:pPr algn="ctr"/>
+            <a:r>
+              <a:rPr lang="en-US" dirty="0" smtClean="0">
+                <a:solidFill>
+                  <a:srgbClr val="FFFFFF"/>
+                </a:solidFill>
+                <a:latin typeface="Cambria"/>
+                <a:cs typeface="Cambria"/>
+              </a:rPr>
+              <a:t>My copy of my fork of SA repo</a:t>
+            </a:r>
+            <a:endParaRPr lang="en-US" dirty="0">
+              <a:solidFill>
+                <a:srgbClr val="FFFFFF"/>
+              </a:solidFill>
+              <a:latin typeface="Cambria"/>
+              <a:cs typeface="Cambria"/>
+            </a:endParaRPr>
+          </a:p>
+        </p:txBody>
+      </p:sp>
+      <p:cxnSp>
+        <p:nvCxnSpPr>
+          <p:cNvPr id="12" name="Curved Connector 11"/>
+          <p:cNvCxnSpPr>
+            <a:stCxn id="9" idx="1"/>
+            <a:endCxn id="21" idx="7"/>
+          </p:cNvCxnSpPr>
+          <p:nvPr/>
+        </p:nvCxnSpPr>
+        <p:spPr>
+          <a:xfrm rot="16200000" flipV="1">
+            <a:off x="6312355" y="1221444"/>
+            <a:ext cx="12700" cy="1268908"/>
+          </a:xfrm>
+          <a:prstGeom prst="curvedConnector3">
+            <a:avLst>
+              <a:gd name="adj1" fmla="val 2154102"/>
+            </a:avLst>
+          </a:prstGeom>
+          <a:ln>
+            <a:solidFill>
+              <a:schemeClr val="tx1">
+                <a:lumMod val="65000"/>
+                <a:lumOff val="35000"/>
+              </a:schemeClr>
+            </a:solidFill>
+            <a:prstDash val="sysDash"/>
+            <a:headEnd type="none"/>
+            <a:tailEnd type="triangle"/>
+          </a:ln>
+          <a:effectLst/>
+        </p:spPr>
+        <p:style>
+          <a:lnRef idx="2">
+            <a:schemeClr val="accent1"/>
+          </a:lnRef>
+          <a:fillRef idx="0">
+            <a:schemeClr val="accent1"/>
+          </a:fillRef>
+          <a:effectRef idx="1">
+            <a:schemeClr val="accent1"/>
+          </a:effectRef>
+          <a:fontRef idx="minor">
+            <a:schemeClr val="tx1"/>
+          </a:fontRef>
+        </p:style>
+      </p:cxnSp>
+      <p:sp>
+        <p:nvSpPr>
+          <p:cNvPr id="14" name="TextBox 13"/>
+          <p:cNvSpPr txBox="1"/>
+          <p:nvPr/>
+        </p:nvSpPr>
+        <p:spPr>
+          <a:xfrm>
+            <a:off x="5979024" y="1564997"/>
+            <a:ext cx="995200" cy="307777"/>
+          </a:xfrm>
+          <a:prstGeom prst="rect">
+            <a:avLst/>
+          </a:prstGeom>
+          <a:noFill/>
+        </p:spPr>
+        <p:txBody>
+          <a:bodyPr wrap="square" rtlCol="0">
+            <a:spAutoFit/>
+          </a:bodyPr>
+          <a:lstStyle/>
+          <a:p>
+            <a:r>
+              <a:rPr lang="en-US" sz="1400" dirty="0" smtClean="0">
+                <a:solidFill>
+                  <a:schemeClr val="tx1">
+                    <a:lumMod val="65000"/>
+                    <a:lumOff val="35000"/>
+                  </a:schemeClr>
+                </a:solidFill>
+                <a:latin typeface="Cambria"/>
+                <a:cs typeface="Cambria"/>
+              </a:rPr>
+              <a:t>1. fork</a:t>
+            </a:r>
+            <a:endParaRPr lang="en-US" sz="1400" dirty="0">
+              <a:solidFill>
+                <a:schemeClr val="tx1">
+                  <a:lumMod val="65000"/>
+                  <a:lumOff val="35000"/>
+                </a:schemeClr>
+              </a:solidFill>
+              <a:latin typeface="Cambria"/>
+              <a:cs typeface="Cambria"/>
+            </a:endParaRPr>
+          </a:p>
+        </p:txBody>
+      </p:sp>
+      <p:sp>
+        <p:nvSpPr>
+          <p:cNvPr id="29" name="TextBox 28"/>
+          <p:cNvSpPr txBox="1"/>
+          <p:nvPr/>
+        </p:nvSpPr>
+        <p:spPr>
+          <a:xfrm>
+            <a:off x="3296506" y="1586278"/>
+            <a:ext cx="995200" cy="307777"/>
+          </a:xfrm>
+          <a:prstGeom prst="rect">
+            <a:avLst/>
+          </a:prstGeom>
+          <a:noFill/>
+        </p:spPr>
+        <p:txBody>
+          <a:bodyPr wrap="square" rtlCol="0">
+            <a:spAutoFit/>
+          </a:bodyPr>
+          <a:lstStyle/>
+          <a:p>
+            <a:r>
+              <a:rPr lang="en-US" sz="1400" dirty="0">
+                <a:solidFill>
+                  <a:schemeClr val="tx1">
+                    <a:lumMod val="65000"/>
+                    <a:lumOff val="35000"/>
+                  </a:schemeClr>
+                </a:solidFill>
+                <a:latin typeface="Cambria"/>
+                <a:cs typeface="Cambria"/>
+              </a:rPr>
+              <a:t>2</a:t>
+            </a:r>
+            <a:r>
+              <a:rPr lang="en-US" sz="1400" dirty="0" smtClean="0">
+                <a:solidFill>
+                  <a:schemeClr val="tx1">
+                    <a:lumMod val="65000"/>
+                    <a:lumOff val="35000"/>
+                  </a:schemeClr>
+                </a:solidFill>
+                <a:latin typeface="Cambria"/>
+                <a:cs typeface="Cambria"/>
+              </a:rPr>
+              <a:t>. clone</a:t>
+            </a:r>
+            <a:endParaRPr lang="en-US" sz="1400" dirty="0">
+              <a:solidFill>
+                <a:schemeClr val="tx1">
+                  <a:lumMod val="65000"/>
+                  <a:lumOff val="35000"/>
+                </a:schemeClr>
+              </a:solidFill>
+              <a:latin typeface="Cambria"/>
+              <a:cs typeface="Cambria"/>
+            </a:endParaRPr>
+          </a:p>
+        </p:txBody>
+      </p:sp>
+      <p:cxnSp>
+        <p:nvCxnSpPr>
+          <p:cNvPr id="30" name="Curved Connector 29"/>
+          <p:cNvCxnSpPr>
+            <a:endCxn id="22" idx="7"/>
+          </p:cNvCxnSpPr>
+          <p:nvPr/>
+        </p:nvCxnSpPr>
+        <p:spPr>
+          <a:xfrm rot="16200000" flipV="1">
+            <a:off x="3620071" y="1228810"/>
+            <a:ext cx="47448" cy="1266765"/>
+          </a:xfrm>
+          <a:prstGeom prst="curvedConnector3">
+            <a:avLst>
+              <a:gd name="adj1" fmla="val 613596"/>
+            </a:avLst>
+          </a:prstGeom>
+          <a:ln>
+            <a:solidFill>
+              <a:schemeClr val="tx1">
+                <a:lumMod val="65000"/>
+                <a:lumOff val="35000"/>
+              </a:schemeClr>
+            </a:solidFill>
+            <a:prstDash val="sysDash"/>
+            <a:headEnd type="none"/>
+            <a:tailEnd type="triangle"/>
+          </a:ln>
+          <a:effectLst/>
+        </p:spPr>
+        <p:style>
+          <a:lnRef idx="2">
+            <a:schemeClr val="accent1"/>
+          </a:lnRef>
+          <a:fillRef idx="0">
+            <a:schemeClr val="accent1"/>
+          </a:fillRef>
+          <a:effectRef idx="1">
+            <a:schemeClr val="accent1"/>
+          </a:effectRef>
+          <a:fontRef idx="minor">
+            <a:schemeClr val="tx1"/>
+          </a:fontRef>
+        </p:style>
+      </p:cxnSp>
+      <p:sp>
+        <p:nvSpPr>
+          <p:cNvPr id="18" name="TextBox 17"/>
+          <p:cNvSpPr txBox="1"/>
+          <p:nvPr/>
+        </p:nvSpPr>
+        <p:spPr>
+          <a:xfrm>
+            <a:off x="172720" y="1175947"/>
+            <a:ext cx="1743971" cy="379091"/>
+          </a:xfrm>
+          <a:prstGeom prst="rect">
+            <a:avLst/>
+          </a:prstGeom>
+          <a:noFill/>
+        </p:spPr>
+        <p:txBody>
+          <a:bodyPr wrap="square" rtlCol="0">
+            <a:spAutoFit/>
+          </a:bodyPr>
+          <a:lstStyle/>
+          <a:p>
+            <a:r>
+              <a:rPr lang="en-US" dirty="0" smtClean="0">
+                <a:solidFill>
+                  <a:schemeClr val="bg1"/>
+                </a:solidFill>
+                <a:latin typeface="Cambria"/>
+                <a:cs typeface="Cambria"/>
+              </a:rPr>
+              <a:t>My Computer</a:t>
+            </a:r>
+            <a:endParaRPr lang="en-US" dirty="0">
+              <a:solidFill>
+                <a:schemeClr val="bg1"/>
+              </a:solidFill>
+              <a:latin typeface="Cambria"/>
+              <a:cs typeface="Cambria"/>
+            </a:endParaRPr>
+          </a:p>
+        </p:txBody>
+      </p:sp>
+      <p:sp>
+        <p:nvSpPr>
+          <p:cNvPr id="33" name="TextBox 32"/>
+          <p:cNvSpPr txBox="1"/>
+          <p:nvPr/>
+        </p:nvSpPr>
+        <p:spPr>
+          <a:xfrm>
+            <a:off x="3296506" y="2641986"/>
+            <a:ext cx="995200" cy="307777"/>
+          </a:xfrm>
+          <a:prstGeom prst="rect">
+            <a:avLst/>
+          </a:prstGeom>
+          <a:noFill/>
+        </p:spPr>
+        <p:txBody>
+          <a:bodyPr wrap="square" rtlCol="0">
+            <a:spAutoFit/>
+          </a:bodyPr>
+          <a:lstStyle/>
+          <a:p>
+            <a:r>
+              <a:rPr lang="en-US" sz="1400" dirty="0">
+                <a:solidFill>
+                  <a:schemeClr val="tx1">
+                    <a:lumMod val="65000"/>
+                    <a:lumOff val="35000"/>
+                  </a:schemeClr>
+                </a:solidFill>
+                <a:latin typeface="Cambria"/>
+                <a:cs typeface="Cambria"/>
+              </a:rPr>
+              <a:t>4</a:t>
+            </a:r>
+            <a:r>
+              <a:rPr lang="en-US" sz="1400" dirty="0" smtClean="0">
+                <a:solidFill>
+                  <a:schemeClr val="tx1">
+                    <a:lumMod val="65000"/>
+                    <a:lumOff val="35000"/>
+                  </a:schemeClr>
+                </a:solidFill>
+                <a:latin typeface="Cambria"/>
+                <a:cs typeface="Cambria"/>
+              </a:rPr>
+              <a:t>. push</a:t>
+            </a:r>
+            <a:endParaRPr lang="en-US" sz="1400" dirty="0">
+              <a:solidFill>
+                <a:schemeClr val="tx1">
+                  <a:lumMod val="65000"/>
+                  <a:lumOff val="35000"/>
+                </a:schemeClr>
+              </a:solidFill>
+              <a:latin typeface="Cambria"/>
+              <a:cs typeface="Cambria"/>
+            </a:endParaRPr>
+          </a:p>
+        </p:txBody>
+      </p:sp>
+      <p:cxnSp>
+        <p:nvCxnSpPr>
+          <p:cNvPr id="34" name="Curved Connector 33"/>
+          <p:cNvCxnSpPr>
+            <a:stCxn id="22" idx="5"/>
+          </p:cNvCxnSpPr>
+          <p:nvPr/>
+        </p:nvCxnSpPr>
+        <p:spPr>
+          <a:xfrm rot="16200000" flipH="1">
+            <a:off x="3620070" y="2086596"/>
+            <a:ext cx="47448" cy="1266765"/>
+          </a:xfrm>
+          <a:prstGeom prst="curvedConnector3">
+            <a:avLst>
+              <a:gd name="adj1" fmla="val 613600"/>
+            </a:avLst>
+          </a:prstGeom>
+          <a:ln>
+            <a:solidFill>
+              <a:schemeClr val="tx1">
+                <a:lumMod val="65000"/>
+                <a:lumOff val="35000"/>
+              </a:schemeClr>
+            </a:solidFill>
+            <a:prstDash val="sysDash"/>
+            <a:headEnd type="none"/>
+            <a:tailEnd type="triangle"/>
+          </a:ln>
+          <a:effectLst/>
+        </p:spPr>
+        <p:style>
+          <a:lnRef idx="2">
+            <a:schemeClr val="accent1"/>
+          </a:lnRef>
+          <a:fillRef idx="0">
+            <a:schemeClr val="accent1"/>
+          </a:fillRef>
+          <a:effectRef idx="1">
+            <a:schemeClr val="accent1"/>
+          </a:effectRef>
+          <a:fontRef idx="minor">
+            <a:schemeClr val="tx1"/>
+          </a:fontRef>
+        </p:style>
+      </p:cxnSp>
+      <p:cxnSp>
+        <p:nvCxnSpPr>
+          <p:cNvPr id="53" name="Curved Connector 52"/>
+          <p:cNvCxnSpPr>
+            <a:stCxn id="22" idx="1"/>
+            <a:endCxn id="22" idx="3"/>
+          </p:cNvCxnSpPr>
+          <p:nvPr/>
+        </p:nvCxnSpPr>
+        <p:spPr>
+          <a:xfrm rot="16200000" flipH="1">
+            <a:off x="1180795" y="2267362"/>
+            <a:ext cx="857786" cy="12700"/>
+          </a:xfrm>
+          <a:prstGeom prst="curvedConnector5">
+            <a:avLst>
+              <a:gd name="adj1" fmla="val -26650"/>
+              <a:gd name="adj2" fmla="val -9915748"/>
+              <a:gd name="adj3" fmla="val 126650"/>
+            </a:avLst>
+          </a:prstGeom>
+          <a:ln>
+            <a:solidFill>
+              <a:schemeClr val="tx1">
+                <a:lumMod val="65000"/>
+                <a:lumOff val="35000"/>
+              </a:schemeClr>
+            </a:solidFill>
+            <a:prstDash val="sysDash"/>
+            <a:headEnd type="none"/>
+            <a:tailEnd type="triangle"/>
+          </a:ln>
+          <a:effectLst/>
+        </p:spPr>
+        <p:style>
+          <a:lnRef idx="2">
+            <a:schemeClr val="accent1"/>
+          </a:lnRef>
+          <a:fillRef idx="0">
+            <a:schemeClr val="accent1"/>
+          </a:fillRef>
+          <a:effectRef idx="1">
+            <a:schemeClr val="accent1"/>
+          </a:effectRef>
+          <a:fontRef idx="minor">
+            <a:schemeClr val="tx1"/>
+          </a:fontRef>
+        </p:style>
+      </p:cxnSp>
+      <p:sp>
+        <p:nvSpPr>
+          <p:cNvPr id="58" name="TextBox 57"/>
+          <p:cNvSpPr txBox="1"/>
+          <p:nvPr/>
+        </p:nvSpPr>
+        <p:spPr>
+          <a:xfrm>
+            <a:off x="425748" y="1944895"/>
+            <a:ext cx="995200" cy="523220"/>
+          </a:xfrm>
+          <a:prstGeom prst="rect">
+            <a:avLst/>
+          </a:prstGeom>
+          <a:noFill/>
+        </p:spPr>
+        <p:txBody>
+          <a:bodyPr wrap="square" rtlCol="0">
+            <a:spAutoFit/>
+          </a:bodyPr>
+          <a:lstStyle/>
+          <a:p>
+            <a:r>
+              <a:rPr lang="en-US" sz="1400" dirty="0" smtClean="0">
+                <a:solidFill>
+                  <a:schemeClr val="tx1">
+                    <a:lumMod val="65000"/>
+                    <a:lumOff val="35000"/>
+                  </a:schemeClr>
+                </a:solidFill>
+                <a:latin typeface="Cambria"/>
+                <a:cs typeface="Cambria"/>
+              </a:rPr>
+              <a:t>5. change &amp; commit</a:t>
+            </a:r>
+            <a:endParaRPr lang="en-US" sz="1400" dirty="0">
+              <a:solidFill>
+                <a:schemeClr val="tx1">
+                  <a:lumMod val="65000"/>
+                  <a:lumOff val="35000"/>
+                </a:schemeClr>
+              </a:solidFill>
+              <a:latin typeface="Cambria"/>
+              <a:cs typeface="Cambria"/>
+            </a:endParaRPr>
+          </a:p>
+        </p:txBody>
+      </p:sp>
+      <p:sp>
+        <p:nvSpPr>
+          <p:cNvPr id="77" name="TextBox 76"/>
+          <p:cNvSpPr txBox="1"/>
+          <p:nvPr/>
+        </p:nvSpPr>
+        <p:spPr>
+          <a:xfrm>
+            <a:off x="5774960" y="2641986"/>
+            <a:ext cx="1103359" cy="307777"/>
+          </a:xfrm>
+          <a:prstGeom prst="rect">
+            <a:avLst/>
+          </a:prstGeom>
+          <a:noFill/>
+        </p:spPr>
+        <p:txBody>
+          <a:bodyPr wrap="square" rtlCol="0">
+            <a:spAutoFit/>
+          </a:bodyPr>
+          <a:lstStyle/>
+          <a:p>
+            <a:r>
+              <a:rPr lang="en-US" sz="1400" dirty="0">
+                <a:solidFill>
+                  <a:schemeClr val="tx1">
+                    <a:lumMod val="65000"/>
+                    <a:lumOff val="35000"/>
+                  </a:schemeClr>
+                </a:solidFill>
+                <a:latin typeface="Cambria"/>
+                <a:cs typeface="Cambria"/>
+              </a:rPr>
+              <a:t>4</a:t>
+            </a:r>
+            <a:r>
+              <a:rPr lang="en-US" sz="1400" dirty="0" smtClean="0">
+                <a:solidFill>
+                  <a:schemeClr val="tx1">
+                    <a:lumMod val="65000"/>
+                    <a:lumOff val="35000"/>
+                  </a:schemeClr>
+                </a:solidFill>
+                <a:latin typeface="Cambria"/>
+                <a:cs typeface="Cambria"/>
+              </a:rPr>
+              <a:t>. create PR </a:t>
+            </a:r>
+            <a:endParaRPr lang="en-US" sz="1400" dirty="0">
+              <a:solidFill>
+                <a:schemeClr val="tx1">
+                  <a:lumMod val="65000"/>
+                  <a:lumOff val="35000"/>
+                </a:schemeClr>
+              </a:solidFill>
+              <a:latin typeface="Cambria"/>
+              <a:cs typeface="Cambria"/>
+            </a:endParaRPr>
+          </a:p>
+        </p:txBody>
+      </p:sp>
+      <p:cxnSp>
+        <p:nvCxnSpPr>
+          <p:cNvPr id="78" name="Curved Connector 77"/>
+          <p:cNvCxnSpPr>
+            <a:stCxn id="21" idx="5"/>
+            <a:endCxn id="9" idx="3"/>
+          </p:cNvCxnSpPr>
+          <p:nvPr/>
+        </p:nvCxnSpPr>
+        <p:spPr>
+          <a:xfrm rot="16200000" flipH="1">
+            <a:off x="6312355" y="2079230"/>
+            <a:ext cx="12700" cy="1268908"/>
+          </a:xfrm>
+          <a:prstGeom prst="curvedConnector3">
+            <a:avLst>
+              <a:gd name="adj1" fmla="val 2318843"/>
+            </a:avLst>
+          </a:prstGeom>
+          <a:ln>
+            <a:solidFill>
+              <a:schemeClr val="tx1">
+                <a:lumMod val="65000"/>
+                <a:lumOff val="35000"/>
+              </a:schemeClr>
+            </a:solidFill>
+            <a:prstDash val="sysDash"/>
+            <a:headEnd type="none"/>
+            <a:tailEnd type="triangle"/>
+          </a:ln>
+          <a:effectLst/>
+        </p:spPr>
+        <p:style>
+          <a:lnRef idx="2">
+            <a:schemeClr val="accent1"/>
+          </a:lnRef>
+          <a:fillRef idx="0">
+            <a:schemeClr val="accent1"/>
+          </a:fillRef>
+          <a:effectRef idx="1">
+            <a:schemeClr val="accent1"/>
+          </a:effectRef>
+          <a:fontRef idx="minor">
+            <a:schemeClr val="tx1"/>
+          </a:fontRef>
+        </p:style>
+      </p:cxnSp>
+    </p:spTree>
+    <p:extLst>
+      <p:ext uri="{BB962C8B-B14F-4D97-AF65-F5344CB8AC3E}">
+        <p14:creationId xmlns:p14="http://schemas.microsoft.com/office/powerpoint/2010/main" val="330781370"/>
       </p:ext>
     </p:extLst>
   </p:cSld>
